--- a/(青年聖歌II187)深哉深哉耶穌的愛.pptx
+++ b/(青年聖歌II187)深哉深哉耶穌的愛.pptx
@@ -12,7 +12,7 @@
     <p:sldId id="260" r:id="rId6"/>
     <p:sldId id="261" r:id="rId7"/>
   </p:sldIdLst>
-  <p:sldSz cx="9144000" cy="6858000" type="screen4x3"/>
+  <p:sldSz cx="12192000" cy="6858000"/>
   <p:notesSz cx="6858000" cy="9144000"/>
   <p:defaultTextStyle>
     <a:defPPr>
@@ -109,6 +109,22 @@
       </a:defRPr>
     </a:lvl9pPr>
   </p:defaultTextStyle>
+  <p:extLst>
+    <p:ext uri="{EFAFB233-063F-42B5-8137-9DF3F51BA10A}">
+      <p15:sldGuideLst xmlns:p15="http://schemas.microsoft.com/office/powerpoint/2012/main">
+        <p15:guide id="1" orient="horz" pos="2160" userDrawn="1">
+          <p15:clr>
+            <a:srgbClr val="A4A3A4"/>
+          </p15:clr>
+        </p15:guide>
+        <p15:guide id="2" pos="3840" userDrawn="1">
+          <p15:clr>
+            <a:srgbClr val="A4A3A4"/>
+          </p15:clr>
+        </p15:guide>
+      </p15:sldGuideLst>
+    </p:ext>
+  </p:extLst>
 </p:presentation>
 </file>
 
@@ -141,8 +157,8 @@
         </p:nvSpPr>
         <p:spPr>
           <a:xfrm>
-            <a:off x="685800" y="2130425"/>
-            <a:ext cx="7772400" cy="1470025"/>
+            <a:off x="914400" y="2130426"/>
+            <a:ext cx="10363200" cy="1470025"/>
           </a:xfrm>
         </p:spPr>
         <p:txBody>
@@ -169,8 +185,8 @@
         </p:nvSpPr>
         <p:spPr>
           <a:xfrm>
-            <a:off x="1371600" y="3886200"/>
-            <a:ext cx="6400800" cy="1752600"/>
+            <a:off x="1828800" y="3886200"/>
+            <a:ext cx="8534400" cy="1752600"/>
           </a:xfrm>
         </p:spPr>
         <p:txBody>
@@ -293,7 +309,7 @@
           <a:p>
             <a:fld id="{64A64A05-EEF5-4FB5-8A3E-57CD306BE44F}" type="datetimeFigureOut">
               <a:rPr lang="zh-TW" altLang="en-US" smtClean="0"/>
-              <a:t>2017/8/12</a:t>
+              <a:t>2019/10/17</a:t>
             </a:fld>
             <a:endParaRPr lang="zh-TW" altLang="en-US"/>
           </a:p>
@@ -458,7 +474,7 @@
           <a:p>
             <a:fld id="{64A64A05-EEF5-4FB5-8A3E-57CD306BE44F}" type="datetimeFigureOut">
               <a:rPr lang="zh-TW" altLang="en-US" smtClean="0"/>
-              <a:t>2017/8/12</a:t>
+              <a:t>2019/10/17</a:t>
             </a:fld>
             <a:endParaRPr lang="zh-TW" altLang="en-US"/>
           </a:p>
@@ -543,8 +559,8 @@
         </p:nvSpPr>
         <p:spPr>
           <a:xfrm>
-            <a:off x="6629400" y="274638"/>
-            <a:ext cx="2057400" cy="5851525"/>
+            <a:off x="8839200" y="274639"/>
+            <a:ext cx="2743200" cy="5851525"/>
           </a:xfrm>
         </p:spPr>
         <p:txBody>
@@ -571,8 +587,8 @@
         </p:nvSpPr>
         <p:spPr>
           <a:xfrm>
-            <a:off x="457200" y="274638"/>
-            <a:ext cx="6019800" cy="5851525"/>
+            <a:off x="609600" y="274639"/>
+            <a:ext cx="8026400" cy="5851525"/>
           </a:xfrm>
         </p:spPr>
         <p:txBody>
@@ -633,7 +649,7 @@
           <a:p>
             <a:fld id="{64A64A05-EEF5-4FB5-8A3E-57CD306BE44F}" type="datetimeFigureOut">
               <a:rPr lang="zh-TW" altLang="en-US" smtClean="0"/>
-              <a:t>2017/8/12</a:t>
+              <a:t>2019/10/17</a:t>
             </a:fld>
             <a:endParaRPr lang="zh-TW" altLang="en-US"/>
           </a:p>
@@ -798,7 +814,7 @@
           <a:p>
             <a:fld id="{64A64A05-EEF5-4FB5-8A3E-57CD306BE44F}" type="datetimeFigureOut">
               <a:rPr lang="zh-TW" altLang="en-US" smtClean="0"/>
-              <a:t>2017/8/12</a:t>
+              <a:t>2019/10/17</a:t>
             </a:fld>
             <a:endParaRPr lang="zh-TW" altLang="en-US"/>
           </a:p>
@@ -883,8 +899,8 @@
         </p:nvSpPr>
         <p:spPr>
           <a:xfrm>
-            <a:off x="722313" y="4406900"/>
-            <a:ext cx="7772400" cy="1362075"/>
+            <a:off x="963084" y="4406901"/>
+            <a:ext cx="10363200" cy="1362075"/>
           </a:xfrm>
         </p:spPr>
         <p:txBody>
@@ -915,8 +931,8 @@
         </p:nvSpPr>
         <p:spPr>
           <a:xfrm>
-            <a:off x="722313" y="2906713"/>
-            <a:ext cx="7772400" cy="1500187"/>
+            <a:off x="963084" y="2906713"/>
+            <a:ext cx="10363200" cy="1500187"/>
           </a:xfrm>
         </p:spPr>
         <p:txBody>
@@ -1039,7 +1055,7 @@
           <a:p>
             <a:fld id="{64A64A05-EEF5-4FB5-8A3E-57CD306BE44F}" type="datetimeFigureOut">
               <a:rPr lang="zh-TW" altLang="en-US" smtClean="0"/>
-              <a:t>2017/8/12</a:t>
+              <a:t>2019/10/17</a:t>
             </a:fld>
             <a:endParaRPr lang="zh-TW" altLang="en-US"/>
           </a:p>
@@ -1147,8 +1163,8 @@
         </p:nvSpPr>
         <p:spPr>
           <a:xfrm>
-            <a:off x="457200" y="1600200"/>
-            <a:ext cx="4038600" cy="4525963"/>
+            <a:off x="609600" y="1600201"/>
+            <a:ext cx="5384800" cy="4525963"/>
           </a:xfrm>
         </p:spPr>
         <p:txBody>
@@ -1232,8 +1248,8 @@
         </p:nvSpPr>
         <p:spPr>
           <a:xfrm>
-            <a:off x="4648200" y="1600200"/>
-            <a:ext cx="4038600" cy="4525963"/>
+            <a:off x="6197600" y="1600201"/>
+            <a:ext cx="5384800" cy="4525963"/>
           </a:xfrm>
         </p:spPr>
         <p:txBody>
@@ -1322,7 +1338,7 @@
           <a:p>
             <a:fld id="{64A64A05-EEF5-4FB5-8A3E-57CD306BE44F}" type="datetimeFigureOut">
               <a:rPr lang="zh-TW" altLang="en-US" smtClean="0"/>
-              <a:t>2017/8/12</a:t>
+              <a:t>2019/10/17</a:t>
             </a:fld>
             <a:endParaRPr lang="zh-TW" altLang="en-US"/>
           </a:p>
@@ -1434,8 +1450,8 @@
         </p:nvSpPr>
         <p:spPr>
           <a:xfrm>
-            <a:off x="457200" y="1535113"/>
-            <a:ext cx="4040188" cy="639762"/>
+            <a:off x="609600" y="1535113"/>
+            <a:ext cx="5386917" cy="639762"/>
           </a:xfrm>
         </p:spPr>
         <p:txBody>
@@ -1499,8 +1515,8 @@
         </p:nvSpPr>
         <p:spPr>
           <a:xfrm>
-            <a:off x="457200" y="2174875"/>
-            <a:ext cx="4040188" cy="3951288"/>
+            <a:off x="609600" y="2174875"/>
+            <a:ext cx="5386917" cy="3951288"/>
           </a:xfrm>
         </p:spPr>
         <p:txBody>
@@ -1584,8 +1600,8 @@
         </p:nvSpPr>
         <p:spPr>
           <a:xfrm>
-            <a:off x="4645025" y="1535113"/>
-            <a:ext cx="4041775" cy="639762"/>
+            <a:off x="6193368" y="1535113"/>
+            <a:ext cx="5389033" cy="639762"/>
           </a:xfrm>
         </p:spPr>
         <p:txBody>
@@ -1649,8 +1665,8 @@
         </p:nvSpPr>
         <p:spPr>
           <a:xfrm>
-            <a:off x="4645025" y="2174875"/>
-            <a:ext cx="4041775" cy="3951288"/>
+            <a:off x="6193368" y="2174875"/>
+            <a:ext cx="5389033" cy="3951288"/>
           </a:xfrm>
         </p:spPr>
         <p:txBody>
@@ -1739,7 +1755,7 @@
           <a:p>
             <a:fld id="{64A64A05-EEF5-4FB5-8A3E-57CD306BE44F}" type="datetimeFigureOut">
               <a:rPr lang="zh-TW" altLang="en-US" smtClean="0"/>
-              <a:t>2017/8/12</a:t>
+              <a:t>2019/10/17</a:t>
             </a:fld>
             <a:endParaRPr lang="zh-TW" altLang="en-US"/>
           </a:p>
@@ -1852,7 +1868,7 @@
           <a:p>
             <a:fld id="{64A64A05-EEF5-4FB5-8A3E-57CD306BE44F}" type="datetimeFigureOut">
               <a:rPr lang="zh-TW" altLang="en-US" smtClean="0"/>
-              <a:t>2017/8/12</a:t>
+              <a:t>2019/10/17</a:t>
             </a:fld>
             <a:endParaRPr lang="zh-TW" altLang="en-US"/>
           </a:p>
@@ -1942,7 +1958,7 @@
           <a:p>
             <a:fld id="{64A64A05-EEF5-4FB5-8A3E-57CD306BE44F}" type="datetimeFigureOut">
               <a:rPr lang="zh-TW" altLang="en-US" smtClean="0"/>
-              <a:t>2017/8/12</a:t>
+              <a:t>2019/10/17</a:t>
             </a:fld>
             <a:endParaRPr lang="zh-TW" altLang="en-US"/>
           </a:p>
@@ -2027,8 +2043,8 @@
         </p:nvSpPr>
         <p:spPr>
           <a:xfrm>
-            <a:off x="457200" y="273050"/>
-            <a:ext cx="3008313" cy="1162050"/>
+            <a:off x="609601" y="273050"/>
+            <a:ext cx="4011084" cy="1162050"/>
           </a:xfrm>
         </p:spPr>
         <p:txBody>
@@ -2059,8 +2075,8 @@
         </p:nvSpPr>
         <p:spPr>
           <a:xfrm>
-            <a:off x="3575050" y="273050"/>
-            <a:ext cx="5111750" cy="5853113"/>
+            <a:off x="4766733" y="273051"/>
+            <a:ext cx="6815667" cy="5853113"/>
           </a:xfrm>
         </p:spPr>
         <p:txBody>
@@ -2144,8 +2160,8 @@
         </p:nvSpPr>
         <p:spPr>
           <a:xfrm>
-            <a:off x="457200" y="1435100"/>
-            <a:ext cx="3008313" cy="4691063"/>
+            <a:off x="609601" y="1435101"/>
+            <a:ext cx="4011084" cy="4691063"/>
           </a:xfrm>
         </p:spPr>
         <p:txBody>
@@ -2214,7 +2230,7 @@
           <a:p>
             <a:fld id="{64A64A05-EEF5-4FB5-8A3E-57CD306BE44F}" type="datetimeFigureOut">
               <a:rPr lang="zh-TW" altLang="en-US" smtClean="0"/>
-              <a:t>2017/8/12</a:t>
+              <a:t>2019/10/17</a:t>
             </a:fld>
             <a:endParaRPr lang="zh-TW" altLang="en-US"/>
           </a:p>
@@ -2299,8 +2315,8 @@
         </p:nvSpPr>
         <p:spPr>
           <a:xfrm>
-            <a:off x="1792288" y="4800600"/>
-            <a:ext cx="5486400" cy="566738"/>
+            <a:off x="2389717" y="4800600"/>
+            <a:ext cx="7315200" cy="566738"/>
           </a:xfrm>
         </p:spPr>
         <p:txBody>
@@ -2331,8 +2347,8 @@
         </p:nvSpPr>
         <p:spPr>
           <a:xfrm>
-            <a:off x="1792288" y="612775"/>
-            <a:ext cx="5486400" cy="4114800"/>
+            <a:off x="2389717" y="612775"/>
+            <a:ext cx="7315200" cy="4114800"/>
           </a:xfrm>
         </p:spPr>
         <p:txBody>
@@ -2396,8 +2412,8 @@
         </p:nvSpPr>
         <p:spPr>
           <a:xfrm>
-            <a:off x="1792288" y="5367338"/>
-            <a:ext cx="5486400" cy="804862"/>
+            <a:off x="2389717" y="5367338"/>
+            <a:ext cx="7315200" cy="804862"/>
           </a:xfrm>
         </p:spPr>
         <p:txBody>
@@ -2466,7 +2482,7 @@
           <a:p>
             <a:fld id="{64A64A05-EEF5-4FB5-8A3E-57CD306BE44F}" type="datetimeFigureOut">
               <a:rPr lang="zh-TW" altLang="en-US" smtClean="0"/>
-              <a:t>2017/8/12</a:t>
+              <a:t>2019/10/17</a:t>
             </a:fld>
             <a:endParaRPr lang="zh-TW" altLang="en-US"/>
           </a:p>
@@ -2561,8 +2577,8 @@
         </p:nvSpPr>
         <p:spPr>
           <a:xfrm>
-            <a:off x="457200" y="274638"/>
-            <a:ext cx="8229600" cy="1143000"/>
+            <a:off x="609600" y="274638"/>
+            <a:ext cx="10972800" cy="1143000"/>
           </a:xfrm>
           <a:prstGeom prst="rect">
             <a:avLst/>
@@ -2594,8 +2610,8 @@
         </p:nvSpPr>
         <p:spPr>
           <a:xfrm>
-            <a:off x="457200" y="1600200"/>
-            <a:ext cx="8229600" cy="4525963"/>
+            <a:off x="609600" y="1600201"/>
+            <a:ext cx="10972800" cy="4525963"/>
           </a:xfrm>
           <a:prstGeom prst="rect">
             <a:avLst/>
@@ -2656,8 +2672,8 @@
         </p:nvSpPr>
         <p:spPr>
           <a:xfrm>
-            <a:off x="457200" y="6356350"/>
-            <a:ext cx="2133600" cy="365125"/>
+            <a:off x="609600" y="6356351"/>
+            <a:ext cx="2844800" cy="365125"/>
           </a:xfrm>
           <a:prstGeom prst="rect">
             <a:avLst/>
@@ -2679,7 +2695,7 @@
           <a:p>
             <a:fld id="{64A64A05-EEF5-4FB5-8A3E-57CD306BE44F}" type="datetimeFigureOut">
               <a:rPr lang="zh-TW" altLang="en-US" smtClean="0"/>
-              <a:t>2017/8/12</a:t>
+              <a:t>2019/10/17</a:t>
             </a:fld>
             <a:endParaRPr lang="zh-TW" altLang="en-US"/>
           </a:p>
@@ -2697,8 +2713,8 @@
         </p:nvSpPr>
         <p:spPr>
           <a:xfrm>
-            <a:off x="3124200" y="6356350"/>
-            <a:ext cx="2895600" cy="365125"/>
+            <a:off x="4165600" y="6356351"/>
+            <a:ext cx="3860800" cy="365125"/>
           </a:xfrm>
           <a:prstGeom prst="rect">
             <a:avLst/>
@@ -2734,8 +2750,8 @@
         </p:nvSpPr>
         <p:spPr>
           <a:xfrm>
-            <a:off x="6553200" y="6356350"/>
-            <a:ext cx="2133600" cy="365125"/>
+            <a:off x="8737600" y="6356351"/>
+            <a:ext cx="2844800" cy="365125"/>
           </a:xfrm>
           <a:prstGeom prst="rect">
             <a:avLst/>
@@ -3072,27 +3088,7 @@
                 <a:latin typeface="微軟正黑體" pitchFamily="34" charset="-120"/>
                 <a:ea typeface="微軟正黑體" pitchFamily="34" charset="-120"/>
               </a:rPr>
-              <a:t>深</a:t>
-            </a:r>
-            <a:r>
-              <a:rPr lang="zh-TW" altLang="en-US" b="1" dirty="0" smtClean="0">
-                <a:solidFill>
-                  <a:srgbClr val="000066"/>
-                </a:solidFill>
-                <a:latin typeface="微軟正黑體" pitchFamily="34" charset="-120"/>
-                <a:ea typeface="微軟正黑體" pitchFamily="34" charset="-120"/>
-              </a:rPr>
-              <a:t>哉  深哉  耶穌</a:t>
-            </a:r>
-            <a:r>
-              <a:rPr lang="zh-TW" altLang="en-US" b="1" dirty="0" smtClean="0">
-                <a:solidFill>
-                  <a:srgbClr val="000066"/>
-                </a:solidFill>
-                <a:latin typeface="微軟正黑體" pitchFamily="34" charset="-120"/>
-                <a:ea typeface="微軟正黑體" pitchFamily="34" charset="-120"/>
-              </a:rPr>
-              <a:t>的愛</a:t>
+              <a:t>深哉  深哉  耶穌的愛</a:t>
             </a:r>
             <a:endParaRPr lang="zh-TW" altLang="en-US" b="1" dirty="0">
               <a:solidFill>
@@ -3125,46 +3121,16 @@
               <a:buNone/>
             </a:pPr>
             <a:r>
-              <a:rPr lang="zh-TW" altLang="en-US" sz="5400" b="1" dirty="0" smtClean="0">
+              <a:rPr lang="zh-TW" altLang="en-US" sz="5400" b="1" dirty="0">
                 <a:solidFill>
                   <a:srgbClr val="000066"/>
                 </a:solidFill>
                 <a:latin typeface="微軟正黑體" pitchFamily="34" charset="-120"/>
                 <a:ea typeface="微軟正黑體" pitchFamily="34" charset="-120"/>
               </a:rPr>
-              <a:t>深</a:t>
-            </a:r>
-            <a:r>
-              <a:rPr lang="zh-TW" altLang="en-US" sz="5400" b="1" dirty="0" smtClean="0">
-                <a:solidFill>
-                  <a:srgbClr val="000066"/>
-                </a:solidFill>
-                <a:latin typeface="微軟正黑體" pitchFamily="34" charset="-120"/>
-                <a:ea typeface="微軟正黑體" pitchFamily="34" charset="-120"/>
-              </a:rPr>
-              <a:t>哉  深哉  耶穌</a:t>
-            </a:r>
-            <a:r>
-              <a:rPr lang="zh-TW" altLang="en-US" sz="5400" b="1" dirty="0" smtClean="0">
-                <a:solidFill>
-                  <a:srgbClr val="000066"/>
-                </a:solidFill>
-                <a:latin typeface="微軟正黑體" pitchFamily="34" charset="-120"/>
-                <a:ea typeface="微軟正黑體" pitchFamily="34" charset="-120"/>
-              </a:rPr>
-              <a:t>的</a:t>
-            </a:r>
-            <a:r>
-              <a:rPr lang="zh-TW" altLang="en-US" sz="5400" b="1" dirty="0" smtClean="0">
-                <a:solidFill>
-                  <a:srgbClr val="000066"/>
-                </a:solidFill>
-                <a:latin typeface="微軟正黑體" pitchFamily="34" charset="-120"/>
-                <a:ea typeface="微軟正黑體" pitchFamily="34" charset="-120"/>
-              </a:rPr>
-              <a:t>愛</a:t>
-            </a:r>
-            <a:endParaRPr lang="en-US" altLang="zh-TW" sz="5400" b="1" dirty="0" smtClean="0">
+              <a:t>深哉  深哉  耶穌的愛</a:t>
+            </a:r>
+            <a:endParaRPr lang="en-US" altLang="zh-TW" sz="5400" b="1" dirty="0">
               <a:solidFill>
                 <a:srgbClr val="000066"/>
               </a:solidFill>
@@ -3177,36 +3143,16 @@
               <a:buNone/>
             </a:pPr>
             <a:r>
-              <a:rPr lang="zh-TW" altLang="en-US" sz="5400" b="1" dirty="0" smtClean="0">
+              <a:rPr lang="zh-TW" altLang="en-US" sz="5400" b="1" dirty="0">
                 <a:solidFill>
                   <a:srgbClr val="000066"/>
                 </a:solidFill>
                 <a:latin typeface="微軟正黑體" pitchFamily="34" charset="-120"/>
                 <a:ea typeface="微軟正黑體" pitchFamily="34" charset="-120"/>
               </a:rPr>
-              <a:t>無限</a:t>
-            </a:r>
-            <a:r>
-              <a:rPr lang="zh-TW" altLang="en-US" sz="5400" b="1" dirty="0" smtClean="0">
-                <a:solidFill>
-                  <a:srgbClr val="000066"/>
-                </a:solidFill>
-                <a:latin typeface="微軟正黑體" pitchFamily="34" charset="-120"/>
-                <a:ea typeface="微軟正黑體" pitchFamily="34" charset="-120"/>
-              </a:rPr>
-              <a:t>廣闊無</a:t>
-            </a:r>
-            <a:r>
-              <a:rPr lang="zh-TW" altLang="en-US" sz="5400" b="1" dirty="0" smtClean="0">
-                <a:solidFill>
-                  <a:srgbClr val="000066"/>
-                </a:solidFill>
-                <a:latin typeface="微軟正黑體" pitchFamily="34" charset="-120"/>
-                <a:ea typeface="微軟正黑體" pitchFamily="34" charset="-120"/>
-              </a:rPr>
-              <a:t>限量</a:t>
-            </a:r>
-            <a:endParaRPr lang="en-US" altLang="zh-TW" sz="5400" b="1" dirty="0" smtClean="0">
+              <a:t>無限廣闊無限量</a:t>
+            </a:r>
+            <a:endParaRPr lang="en-US" altLang="zh-TW" sz="5400" b="1" dirty="0">
               <a:solidFill>
                 <a:srgbClr val="000066"/>
               </a:solidFill>
@@ -3219,36 +3165,16 @@
               <a:buNone/>
             </a:pPr>
             <a:r>
-              <a:rPr lang="zh-TW" altLang="en-US" sz="5400" b="1" dirty="0" smtClean="0">
+              <a:rPr lang="zh-TW" altLang="en-US" sz="5400" b="1" dirty="0">
                 <a:solidFill>
                   <a:srgbClr val="000066"/>
                 </a:solidFill>
                 <a:latin typeface="微軟正黑體" pitchFamily="34" charset="-120"/>
                 <a:ea typeface="微軟正黑體" pitchFamily="34" charset="-120"/>
               </a:rPr>
-              <a:t>浩浩蕩蕩</a:t>
-            </a:r>
-            <a:r>
-              <a:rPr lang="zh-TW" altLang="en-US" sz="5400" b="1" dirty="0" smtClean="0">
-                <a:solidFill>
-                  <a:srgbClr val="000066"/>
-                </a:solidFill>
-                <a:latin typeface="微軟正黑體" pitchFamily="34" charset="-120"/>
-                <a:ea typeface="微軟正黑體" pitchFamily="34" charset="-120"/>
-              </a:rPr>
-              <a:t>有如</a:t>
-            </a:r>
-            <a:r>
-              <a:rPr lang="zh-TW" altLang="en-US" sz="5400" b="1" dirty="0" smtClean="0">
-                <a:solidFill>
-                  <a:srgbClr val="000066"/>
-                </a:solidFill>
-                <a:latin typeface="微軟正黑體" pitchFamily="34" charset="-120"/>
-                <a:ea typeface="微軟正黑體" pitchFamily="34" charset="-120"/>
-              </a:rPr>
-              <a:t>汪洋</a:t>
-            </a:r>
-            <a:endParaRPr lang="en-US" altLang="zh-TW" sz="5400" b="1" dirty="0" smtClean="0">
+              <a:t>浩浩蕩蕩有如汪洋</a:t>
+            </a:r>
+            <a:endParaRPr lang="en-US" altLang="zh-TW" sz="5400" b="1" dirty="0">
               <a:solidFill>
                 <a:srgbClr val="000066"/>
               </a:solidFill>
@@ -3261,32 +3187,15 @@
               <a:buNone/>
             </a:pPr>
             <a:r>
-              <a:rPr lang="zh-TW" altLang="en-US" sz="5400" b="1" dirty="0" smtClean="0">
+              <a:rPr lang="zh-TW" altLang="en-US" sz="5400" b="1" dirty="0">
                 <a:solidFill>
                   <a:srgbClr val="000066"/>
                 </a:solidFill>
                 <a:latin typeface="微軟正黑體" pitchFamily="34" charset="-120"/>
                 <a:ea typeface="微軟正黑體" pitchFamily="34" charset="-120"/>
               </a:rPr>
-              <a:t>主</a:t>
-            </a:r>
-            <a:r>
-              <a:rPr lang="zh-TW" altLang="en-US" sz="5400" b="1" dirty="0" smtClean="0">
-                <a:solidFill>
-                  <a:srgbClr val="000066"/>
-                </a:solidFill>
-                <a:latin typeface="微軟正黑體" pitchFamily="34" charset="-120"/>
-                <a:ea typeface="微軟正黑體" pitchFamily="34" charset="-120"/>
-              </a:rPr>
-              <a:t>愛臨我何週詳</a:t>
-            </a:r>
-            <a:endParaRPr lang="zh-TW" altLang="en-US" sz="5400" b="1" dirty="0">
-              <a:solidFill>
-                <a:srgbClr val="000066"/>
-              </a:solidFill>
-              <a:latin typeface="微軟正黑體" pitchFamily="34" charset="-120"/>
-              <a:ea typeface="微軟正黑體" pitchFamily="34" charset="-120"/>
-            </a:endParaRPr>
+              <a:t>主愛臨我何週詳</a:t>
+            </a:r>
           </a:p>
         </p:txBody>
       </p:sp>
@@ -3338,27 +3247,7 @@
                 <a:latin typeface="微軟正黑體" pitchFamily="34" charset="-120"/>
                 <a:ea typeface="微軟正黑體" pitchFamily="34" charset="-120"/>
               </a:rPr>
-              <a:t>深</a:t>
-            </a:r>
-            <a:r>
-              <a:rPr lang="zh-TW" altLang="en-US" b="1" dirty="0" smtClean="0">
-                <a:solidFill>
-                  <a:srgbClr val="000066"/>
-                </a:solidFill>
-                <a:latin typeface="微軟正黑體" pitchFamily="34" charset="-120"/>
-                <a:ea typeface="微軟正黑體" pitchFamily="34" charset="-120"/>
-              </a:rPr>
-              <a:t>哉  深哉  耶穌</a:t>
-            </a:r>
-            <a:r>
-              <a:rPr lang="zh-TW" altLang="en-US" b="1" dirty="0" smtClean="0">
-                <a:solidFill>
-                  <a:srgbClr val="000066"/>
-                </a:solidFill>
-                <a:latin typeface="微軟正黑體" pitchFamily="34" charset="-120"/>
-                <a:ea typeface="微軟正黑體" pitchFamily="34" charset="-120"/>
-              </a:rPr>
-              <a:t>的愛</a:t>
+              <a:t>深哉  深哉  耶穌的愛</a:t>
             </a:r>
             <a:endParaRPr lang="zh-TW" altLang="en-US" b="1" dirty="0">
               <a:solidFill>
@@ -3391,26 +3280,16 @@
               <a:buNone/>
             </a:pPr>
             <a:r>
-              <a:rPr lang="zh-TW" altLang="en-US" sz="5400" b="1" dirty="0" smtClean="0">
+              <a:rPr lang="zh-TW" altLang="en-US" sz="5400" b="1" dirty="0">
                 <a:solidFill>
                   <a:srgbClr val="000066"/>
                 </a:solidFill>
                 <a:latin typeface="微軟正黑體" pitchFamily="34" charset="-120"/>
                 <a:ea typeface="微軟正黑體" pitchFamily="34" charset="-120"/>
               </a:rPr>
-              <a:t>把我蔭庇把我</a:t>
-            </a:r>
-            <a:r>
-              <a:rPr lang="zh-TW" altLang="en-US" sz="5400" b="1" dirty="0" smtClean="0">
-                <a:solidFill>
-                  <a:srgbClr val="000066"/>
-                </a:solidFill>
-                <a:latin typeface="微軟正黑體" pitchFamily="34" charset="-120"/>
-                <a:ea typeface="微軟正黑體" pitchFamily="34" charset="-120"/>
-              </a:rPr>
-              <a:t>環繞</a:t>
-            </a:r>
-            <a:endParaRPr lang="en-US" altLang="zh-TW" sz="5400" b="1" dirty="0" smtClean="0">
+              <a:t>把我蔭庇把我環繞</a:t>
+            </a:r>
+            <a:endParaRPr lang="en-US" altLang="zh-TW" sz="5400" b="1" dirty="0">
               <a:solidFill>
                 <a:srgbClr val="000066"/>
               </a:solidFill>
@@ -3423,36 +3302,16 @@
               <a:buNone/>
             </a:pPr>
             <a:r>
-              <a:rPr lang="zh-TW" altLang="en-US" sz="5400" b="1" dirty="0" smtClean="0">
+              <a:rPr lang="zh-TW" altLang="en-US" sz="5400" b="1" dirty="0">
                 <a:solidFill>
                   <a:srgbClr val="000066"/>
                 </a:solidFill>
                 <a:latin typeface="微軟正黑體" pitchFamily="34" charset="-120"/>
                 <a:ea typeface="微軟正黑體" pitchFamily="34" charset="-120"/>
               </a:rPr>
-              <a:t>是</a:t>
-            </a:r>
-            <a:r>
-              <a:rPr lang="zh-TW" altLang="en-US" sz="5400" b="1" dirty="0" smtClean="0">
-                <a:solidFill>
-                  <a:srgbClr val="000066"/>
-                </a:solidFill>
-                <a:latin typeface="微軟正黑體" pitchFamily="34" charset="-120"/>
-                <a:ea typeface="微軟正黑體" pitchFamily="34" charset="-120"/>
-              </a:rPr>
-              <a:t>主滔滔大</a:t>
-            </a:r>
-            <a:r>
-              <a:rPr lang="zh-TW" altLang="en-US" sz="5400" b="1" dirty="0" smtClean="0">
-                <a:solidFill>
-                  <a:srgbClr val="000066"/>
-                </a:solidFill>
-                <a:latin typeface="微軟正黑體" pitchFamily="34" charset="-120"/>
-                <a:ea typeface="微軟正黑體" pitchFamily="34" charset="-120"/>
-              </a:rPr>
-              <a:t>慈愛</a:t>
-            </a:r>
-            <a:endParaRPr lang="en-US" altLang="zh-TW" sz="5400" b="1" dirty="0" smtClean="0">
+              <a:t>是主滔滔大慈愛</a:t>
+            </a:r>
+            <a:endParaRPr lang="en-US" altLang="zh-TW" sz="5400" b="1" dirty="0">
               <a:solidFill>
                 <a:srgbClr val="000066"/>
               </a:solidFill>
@@ -3465,36 +3324,16 @@
               <a:buNone/>
             </a:pPr>
             <a:r>
-              <a:rPr lang="zh-TW" altLang="en-US" sz="5400" b="1" dirty="0" smtClean="0">
+              <a:rPr lang="zh-TW" altLang="en-US" sz="5400" b="1" dirty="0">
                 <a:solidFill>
                   <a:srgbClr val="000066"/>
                 </a:solidFill>
                 <a:latin typeface="微軟正黑體" pitchFamily="34" charset="-120"/>
                 <a:ea typeface="微軟正黑體" pitchFamily="34" charset="-120"/>
               </a:rPr>
-              <a:t>導</a:t>
-            </a:r>
-            <a:r>
-              <a:rPr lang="zh-TW" altLang="en-US" sz="5400" b="1" dirty="0" smtClean="0">
-                <a:solidFill>
-                  <a:srgbClr val="000066"/>
-                </a:solidFill>
-                <a:latin typeface="微軟正黑體" pitchFamily="34" charset="-120"/>
-                <a:ea typeface="微軟正黑體" pitchFamily="34" charset="-120"/>
-              </a:rPr>
-              <a:t>我前行領我歸</a:t>
-            </a:r>
-            <a:r>
-              <a:rPr lang="zh-TW" altLang="en-US" sz="5400" b="1" dirty="0" smtClean="0">
-                <a:solidFill>
-                  <a:srgbClr val="000066"/>
-                </a:solidFill>
-                <a:latin typeface="微軟正黑體" pitchFamily="34" charset="-120"/>
-                <a:ea typeface="微軟正黑體" pitchFamily="34" charset="-120"/>
-              </a:rPr>
-              <a:t>家</a:t>
-            </a:r>
-            <a:endParaRPr lang="en-US" altLang="zh-TW" sz="5400" b="1" dirty="0" smtClean="0">
+              <a:t>導我前行領我歸家</a:t>
+            </a:r>
+            <a:endParaRPr lang="en-US" altLang="zh-TW" sz="5400" b="1" dirty="0">
               <a:solidFill>
                 <a:srgbClr val="000066"/>
               </a:solidFill>
@@ -3507,32 +3346,15 @@
               <a:buNone/>
             </a:pPr>
             <a:r>
-              <a:rPr lang="zh-TW" altLang="en-US" sz="5400" b="1" dirty="0" smtClean="0">
+              <a:rPr lang="zh-TW" altLang="en-US" sz="5400" b="1" dirty="0">
                 <a:solidFill>
                   <a:srgbClr val="000066"/>
                 </a:solidFill>
                 <a:latin typeface="微軟正黑體" pitchFamily="34" charset="-120"/>
                 <a:ea typeface="微軟正黑體" pitchFamily="34" charset="-120"/>
               </a:rPr>
-              <a:t>安息</a:t>
-            </a:r>
-            <a:r>
-              <a:rPr lang="zh-TW" altLang="en-US" sz="5400" b="1" dirty="0" smtClean="0">
-                <a:solidFill>
-                  <a:srgbClr val="000066"/>
-                </a:solidFill>
-                <a:latin typeface="微軟正黑體" pitchFamily="34" charset="-120"/>
-                <a:ea typeface="微軟正黑體" pitchFamily="34" charset="-120"/>
-              </a:rPr>
-              <a:t>天上到萬代</a:t>
-            </a:r>
-            <a:endParaRPr lang="zh-TW" altLang="en-US" sz="5400" b="1" dirty="0">
-              <a:solidFill>
-                <a:srgbClr val="000066"/>
-              </a:solidFill>
-              <a:latin typeface="微軟正黑體" pitchFamily="34" charset="-120"/>
-              <a:ea typeface="微軟正黑體" pitchFamily="34" charset="-120"/>
-            </a:endParaRPr>
+              <a:t>安息天上到萬代</a:t>
+            </a:r>
           </a:p>
         </p:txBody>
       </p:sp>
@@ -3584,27 +3406,7 @@
                 <a:latin typeface="微軟正黑體" pitchFamily="34" charset="-120"/>
                 <a:ea typeface="微軟正黑體" pitchFamily="34" charset="-120"/>
               </a:rPr>
-              <a:t>深</a:t>
-            </a:r>
-            <a:r>
-              <a:rPr lang="zh-TW" altLang="en-US" b="1" dirty="0" smtClean="0">
-                <a:solidFill>
-                  <a:srgbClr val="000066"/>
-                </a:solidFill>
-                <a:latin typeface="微軟正黑體" pitchFamily="34" charset="-120"/>
-                <a:ea typeface="微軟正黑體" pitchFamily="34" charset="-120"/>
-              </a:rPr>
-              <a:t>哉  深哉  耶穌</a:t>
-            </a:r>
-            <a:r>
-              <a:rPr lang="zh-TW" altLang="en-US" b="1" dirty="0" smtClean="0">
-                <a:solidFill>
-                  <a:srgbClr val="000066"/>
-                </a:solidFill>
-                <a:latin typeface="微軟正黑體" pitchFamily="34" charset="-120"/>
-                <a:ea typeface="微軟正黑體" pitchFamily="34" charset="-120"/>
-              </a:rPr>
-              <a:t>的愛</a:t>
+              <a:t>深哉  深哉  耶穌的愛</a:t>
             </a:r>
             <a:endParaRPr lang="zh-TW" altLang="en-US" b="1" dirty="0">
               <a:solidFill>
@@ -3637,46 +3439,16 @@
               <a:buNone/>
             </a:pPr>
             <a:r>
-              <a:rPr lang="zh-TW" altLang="en-US" sz="5400" b="1" dirty="0" smtClean="0">
+              <a:rPr lang="zh-TW" altLang="en-US" sz="5400" b="1" dirty="0">
                 <a:solidFill>
                   <a:srgbClr val="000066"/>
                 </a:solidFill>
                 <a:latin typeface="微軟正黑體" pitchFamily="34" charset="-120"/>
                 <a:ea typeface="微軟正黑體" pitchFamily="34" charset="-120"/>
               </a:rPr>
-              <a:t>深</a:t>
-            </a:r>
-            <a:r>
-              <a:rPr lang="zh-TW" altLang="en-US" sz="5400" b="1" dirty="0" smtClean="0">
-                <a:solidFill>
-                  <a:srgbClr val="000066"/>
-                </a:solidFill>
-                <a:latin typeface="微軟正黑體" pitchFamily="34" charset="-120"/>
-                <a:ea typeface="微軟正黑體" pitchFamily="34" charset="-120"/>
-              </a:rPr>
-              <a:t>哉  深哉  耶穌</a:t>
-            </a:r>
-            <a:r>
-              <a:rPr lang="zh-TW" altLang="en-US" sz="5400" b="1" dirty="0" smtClean="0">
-                <a:solidFill>
-                  <a:srgbClr val="000066"/>
-                </a:solidFill>
-                <a:latin typeface="微軟正黑體" pitchFamily="34" charset="-120"/>
-                <a:ea typeface="微軟正黑體" pitchFamily="34" charset="-120"/>
-              </a:rPr>
-              <a:t>的</a:t>
-            </a:r>
-            <a:r>
-              <a:rPr lang="zh-TW" altLang="en-US" sz="5400" b="1" dirty="0" smtClean="0">
-                <a:solidFill>
-                  <a:srgbClr val="000066"/>
-                </a:solidFill>
-                <a:latin typeface="微軟正黑體" pitchFamily="34" charset="-120"/>
-                <a:ea typeface="微軟正黑體" pitchFamily="34" charset="-120"/>
-              </a:rPr>
-              <a:t>愛</a:t>
-            </a:r>
-            <a:endParaRPr lang="en-US" altLang="zh-TW" sz="5400" b="1" dirty="0" smtClean="0">
+              <a:t>深哉  深哉  耶穌的愛</a:t>
+            </a:r>
+            <a:endParaRPr lang="en-US" altLang="zh-TW" sz="5400" b="1" dirty="0">
               <a:solidFill>
                 <a:srgbClr val="000066"/>
               </a:solidFill>
@@ -3689,36 +3461,16 @@
               <a:buNone/>
             </a:pPr>
             <a:r>
-              <a:rPr lang="zh-TW" altLang="en-US" sz="5400" b="1" dirty="0" smtClean="0">
+              <a:rPr lang="zh-TW" altLang="en-US" sz="5400" b="1" dirty="0">
                 <a:solidFill>
                   <a:srgbClr val="000066"/>
                 </a:solidFill>
                 <a:latin typeface="微軟正黑體" pitchFamily="34" charset="-120"/>
                 <a:ea typeface="微軟正黑體" pitchFamily="34" charset="-120"/>
               </a:rPr>
-              <a:t>萬國萬</a:t>
-            </a:r>
-            <a:r>
-              <a:rPr lang="zh-TW" altLang="en-US" sz="5400" b="1" dirty="0" smtClean="0">
-                <a:solidFill>
-                  <a:srgbClr val="000066"/>
-                </a:solidFill>
-                <a:latin typeface="微軟正黑體" pitchFamily="34" charset="-120"/>
-                <a:ea typeface="微軟正黑體" pitchFamily="34" charset="-120"/>
-              </a:rPr>
-              <a:t>民當稱</a:t>
-            </a:r>
-            <a:r>
-              <a:rPr lang="zh-TW" altLang="en-US" sz="5400" b="1" dirty="0" smtClean="0">
-                <a:solidFill>
-                  <a:srgbClr val="000066"/>
-                </a:solidFill>
-                <a:latin typeface="微軟正黑體" pitchFamily="34" charset="-120"/>
-                <a:ea typeface="微軟正黑體" pitchFamily="34" charset="-120"/>
-              </a:rPr>
-              <a:t>揚</a:t>
-            </a:r>
-            <a:endParaRPr lang="en-US" altLang="zh-TW" sz="5400" b="1" dirty="0" smtClean="0">
+              <a:t>萬國萬民當稱揚</a:t>
+            </a:r>
+            <a:endParaRPr lang="en-US" altLang="zh-TW" sz="5400" b="1" dirty="0">
               <a:solidFill>
                 <a:srgbClr val="000066"/>
               </a:solidFill>
@@ -3731,36 +3483,16 @@
               <a:buNone/>
             </a:pPr>
             <a:r>
-              <a:rPr lang="zh-TW" altLang="en-US" sz="5400" b="1" dirty="0" smtClean="0">
+              <a:rPr lang="zh-TW" altLang="en-US" sz="5400" b="1" dirty="0">
                 <a:solidFill>
                   <a:srgbClr val="000066"/>
                 </a:solidFill>
                 <a:latin typeface="微軟正黑體" pitchFamily="34" charset="-120"/>
                 <a:ea typeface="微軟正黑體" pitchFamily="34" charset="-120"/>
               </a:rPr>
-              <a:t>何等</a:t>
-            </a:r>
-            <a:r>
-              <a:rPr lang="zh-TW" altLang="en-US" sz="5400" b="1" dirty="0" smtClean="0">
-                <a:solidFill>
-                  <a:srgbClr val="000066"/>
-                </a:solidFill>
-                <a:latin typeface="微軟正黑體" pitchFamily="34" charset="-120"/>
-                <a:ea typeface="微軟正黑體" pitchFamily="34" charset="-120"/>
-              </a:rPr>
-              <a:t>的愛永久的</a:t>
-            </a:r>
-            <a:r>
-              <a:rPr lang="zh-TW" altLang="en-US" sz="5400" b="1" dirty="0" smtClean="0">
-                <a:solidFill>
-                  <a:srgbClr val="000066"/>
-                </a:solidFill>
-                <a:latin typeface="微軟正黑體" pitchFamily="34" charset="-120"/>
-                <a:ea typeface="微軟正黑體" pitchFamily="34" charset="-120"/>
-              </a:rPr>
-              <a:t>愛</a:t>
-            </a:r>
-            <a:endParaRPr lang="en-US" altLang="zh-TW" sz="5400" b="1" dirty="0" smtClean="0">
+              <a:t>何等的愛永久的愛</a:t>
+            </a:r>
+            <a:endParaRPr lang="en-US" altLang="zh-TW" sz="5400" b="1" dirty="0">
               <a:solidFill>
                 <a:srgbClr val="000066"/>
               </a:solidFill>
@@ -3773,32 +3505,15 @@
               <a:buNone/>
             </a:pPr>
             <a:r>
-              <a:rPr lang="zh-TW" altLang="en-US" sz="5400" b="1" dirty="0" smtClean="0">
+              <a:rPr lang="zh-TW" altLang="en-US" sz="5400" b="1" dirty="0">
                 <a:solidFill>
                   <a:srgbClr val="000066"/>
                 </a:solidFill>
                 <a:latin typeface="微軟正黑體" pitchFamily="34" charset="-120"/>
                 <a:ea typeface="微軟正黑體" pitchFamily="34" charset="-120"/>
               </a:rPr>
-              <a:t>永永遠遠</a:t>
-            </a:r>
-            <a:r>
-              <a:rPr lang="zh-TW" altLang="en-US" sz="5400" b="1" dirty="0" smtClean="0">
-                <a:solidFill>
-                  <a:srgbClr val="000066"/>
-                </a:solidFill>
-                <a:latin typeface="微軟正黑體" pitchFamily="34" charset="-120"/>
-                <a:ea typeface="微軟正黑體" pitchFamily="34" charset="-120"/>
-              </a:rPr>
-              <a:t>不更改</a:t>
-            </a:r>
-            <a:endParaRPr lang="zh-TW" altLang="en-US" sz="5400" b="1" dirty="0">
-              <a:solidFill>
-                <a:srgbClr val="000066"/>
-              </a:solidFill>
-              <a:latin typeface="微軟正黑體" pitchFamily="34" charset="-120"/>
-              <a:ea typeface="微軟正黑體" pitchFamily="34" charset="-120"/>
-            </a:endParaRPr>
+              <a:t>永永遠遠不更改</a:t>
+            </a:r>
           </a:p>
         </p:txBody>
       </p:sp>
@@ -3850,27 +3565,7 @@
                 <a:latin typeface="微軟正黑體" pitchFamily="34" charset="-120"/>
                 <a:ea typeface="微軟正黑體" pitchFamily="34" charset="-120"/>
               </a:rPr>
-              <a:t>深</a:t>
-            </a:r>
-            <a:r>
-              <a:rPr lang="zh-TW" altLang="en-US" b="1" dirty="0" smtClean="0">
-                <a:solidFill>
-                  <a:srgbClr val="000066"/>
-                </a:solidFill>
-                <a:latin typeface="微軟正黑體" pitchFamily="34" charset="-120"/>
-                <a:ea typeface="微軟正黑體" pitchFamily="34" charset="-120"/>
-              </a:rPr>
-              <a:t>哉  深哉  耶穌</a:t>
-            </a:r>
-            <a:r>
-              <a:rPr lang="zh-TW" altLang="en-US" b="1" dirty="0" smtClean="0">
-                <a:solidFill>
-                  <a:srgbClr val="000066"/>
-                </a:solidFill>
-                <a:latin typeface="微軟正黑體" pitchFamily="34" charset="-120"/>
-                <a:ea typeface="微軟正黑體" pitchFamily="34" charset="-120"/>
-              </a:rPr>
-              <a:t>的愛</a:t>
+              <a:t>深哉  深哉  耶穌的愛</a:t>
             </a:r>
             <a:endParaRPr lang="zh-TW" altLang="en-US" b="1" dirty="0">
               <a:solidFill>
@@ -3903,26 +3598,16 @@
               <a:buNone/>
             </a:pPr>
             <a:r>
-              <a:rPr lang="zh-TW" altLang="en-US" sz="5400" b="1" dirty="0" smtClean="0">
+              <a:rPr lang="zh-TW" altLang="en-US" sz="5400" b="1" dirty="0">
                 <a:solidFill>
                   <a:srgbClr val="000066"/>
                 </a:solidFill>
                 <a:latin typeface="微軟正黑體" pitchFamily="34" charset="-120"/>
                 <a:ea typeface="微軟正黑體" pitchFamily="34" charset="-120"/>
               </a:rPr>
-              <a:t>祂看顧屬祂的</a:t>
-            </a:r>
-            <a:r>
-              <a:rPr lang="zh-TW" altLang="en-US" sz="5400" b="1" dirty="0" smtClean="0">
-                <a:solidFill>
-                  <a:srgbClr val="000066"/>
-                </a:solidFill>
-                <a:latin typeface="微軟正黑體" pitchFamily="34" charset="-120"/>
-                <a:ea typeface="微軟正黑體" pitchFamily="34" charset="-120"/>
-              </a:rPr>
-              <a:t>兒女</a:t>
-            </a:r>
-            <a:endParaRPr lang="en-US" altLang="zh-TW" sz="5400" b="1" dirty="0" smtClean="0">
+              <a:t>祂看顧屬祂的兒女</a:t>
+            </a:r>
+            <a:endParaRPr lang="en-US" altLang="zh-TW" sz="5400" b="1" dirty="0">
               <a:solidFill>
                 <a:srgbClr val="000066"/>
               </a:solidFill>
@@ -3935,36 +3620,16 @@
               <a:buNone/>
             </a:pPr>
             <a:r>
-              <a:rPr lang="zh-TW" altLang="en-US" sz="5400" b="1" dirty="0" smtClean="0">
+              <a:rPr lang="zh-TW" altLang="en-US" sz="5400" b="1" dirty="0">
                 <a:solidFill>
                   <a:srgbClr val="000066"/>
                 </a:solidFill>
                 <a:latin typeface="微軟正黑體" pitchFamily="34" charset="-120"/>
                 <a:ea typeface="微軟正黑體" pitchFamily="34" charset="-120"/>
               </a:rPr>
-              <a:t>為</a:t>
-            </a:r>
-            <a:r>
-              <a:rPr lang="zh-TW" altLang="en-US" sz="5400" b="1" dirty="0" smtClean="0">
-                <a:solidFill>
-                  <a:srgbClr val="000066"/>
-                </a:solidFill>
-                <a:latin typeface="微軟正黑體" pitchFamily="34" charset="-120"/>
-                <a:ea typeface="微軟正黑體" pitchFamily="34" charset="-120"/>
-              </a:rPr>
-              <a:t>我們十架</a:t>
-            </a:r>
-            <a:r>
-              <a:rPr lang="zh-TW" altLang="en-US" sz="5400" b="1" dirty="0" smtClean="0">
-                <a:solidFill>
-                  <a:srgbClr val="000066"/>
-                </a:solidFill>
-                <a:latin typeface="微軟正黑體" pitchFamily="34" charset="-120"/>
-                <a:ea typeface="微軟正黑體" pitchFamily="34" charset="-120"/>
-              </a:rPr>
-              <a:t>捨身</a:t>
-            </a:r>
-            <a:endParaRPr lang="en-US" altLang="zh-TW" sz="5400" b="1" dirty="0" smtClean="0">
+              <a:t>為我們十架捨身</a:t>
+            </a:r>
+            <a:endParaRPr lang="en-US" altLang="zh-TW" sz="5400" b="1" dirty="0">
               <a:solidFill>
                 <a:srgbClr val="000066"/>
               </a:solidFill>
@@ -3977,36 +3642,16 @@
               <a:buNone/>
             </a:pPr>
             <a:r>
-              <a:rPr lang="zh-TW" altLang="en-US" sz="5400" b="1" dirty="0" smtClean="0">
+              <a:rPr lang="zh-TW" altLang="en-US" sz="5400" b="1" dirty="0">
                 <a:solidFill>
                   <a:srgbClr val="000066"/>
                 </a:solidFill>
                 <a:latin typeface="微軟正黑體" pitchFamily="34" charset="-120"/>
                 <a:ea typeface="微軟正黑體" pitchFamily="34" charset="-120"/>
               </a:rPr>
-              <a:t>為</a:t>
-            </a:r>
-            <a:r>
-              <a:rPr lang="zh-TW" altLang="en-US" sz="5400" b="1" dirty="0" smtClean="0">
-                <a:solidFill>
-                  <a:srgbClr val="000066"/>
-                </a:solidFill>
-                <a:latin typeface="微軟正黑體" pitchFamily="34" charset="-120"/>
-                <a:ea typeface="微軟正黑體" pitchFamily="34" charset="-120"/>
-              </a:rPr>
-              <a:t>我們在父前代</a:t>
-            </a:r>
-            <a:r>
-              <a:rPr lang="zh-TW" altLang="en-US" sz="5400" b="1" dirty="0" smtClean="0">
-                <a:solidFill>
-                  <a:srgbClr val="000066"/>
-                </a:solidFill>
-                <a:latin typeface="微軟正黑體" pitchFamily="34" charset="-120"/>
-                <a:ea typeface="微軟正黑體" pitchFamily="34" charset="-120"/>
-              </a:rPr>
-              <a:t>求</a:t>
-            </a:r>
-            <a:endParaRPr lang="en-US" altLang="zh-TW" sz="5400" b="1" dirty="0" smtClean="0">
+              <a:t>為我們在父前代求</a:t>
+            </a:r>
+            <a:endParaRPr lang="en-US" altLang="zh-TW" sz="5400" b="1" dirty="0">
               <a:solidFill>
                 <a:srgbClr val="000066"/>
               </a:solidFill>
@@ -4019,42 +3664,15 @@
               <a:buNone/>
             </a:pPr>
             <a:r>
-              <a:rPr lang="zh-TW" altLang="en-US" sz="5400" b="1" dirty="0" smtClean="0">
+              <a:rPr lang="zh-TW" altLang="en-US" sz="5400" b="1" dirty="0">
                 <a:solidFill>
                   <a:srgbClr val="000066"/>
                 </a:solidFill>
                 <a:latin typeface="微軟正黑體" pitchFamily="34" charset="-120"/>
                 <a:ea typeface="微軟正黑體" pitchFamily="34" charset="-120"/>
               </a:rPr>
-              <a:t>在</a:t>
-            </a:r>
-            <a:r>
-              <a:rPr lang="zh-TW" altLang="en-US" sz="5400" b="1" dirty="0" smtClean="0">
-                <a:solidFill>
-                  <a:srgbClr val="000066"/>
-                </a:solidFill>
-                <a:latin typeface="微軟正黑體" pitchFamily="34" charset="-120"/>
-                <a:ea typeface="微軟正黑體" pitchFamily="34" charset="-120"/>
-              </a:rPr>
-              <a:t>寶座看顧</a:t>
-            </a:r>
-            <a:r>
-              <a:rPr lang="zh-TW" altLang="en-US" sz="5400" b="1" dirty="0" smtClean="0">
-                <a:solidFill>
-                  <a:srgbClr val="000066"/>
-                </a:solidFill>
-                <a:latin typeface="微軟正黑體" pitchFamily="34" charset="-120"/>
-                <a:ea typeface="微軟正黑體" pitchFamily="34" charset="-120"/>
-              </a:rPr>
-              <a:t>施恩</a:t>
-            </a:r>
-            <a:endParaRPr lang="zh-TW" altLang="en-US" sz="5400" b="1" dirty="0">
-              <a:solidFill>
-                <a:srgbClr val="000066"/>
-              </a:solidFill>
-              <a:latin typeface="微軟正黑體" pitchFamily="34" charset="-120"/>
-              <a:ea typeface="微軟正黑體" pitchFamily="34" charset="-120"/>
-            </a:endParaRPr>
+              <a:t>在寶座看顧施恩</a:t>
+            </a:r>
           </a:p>
         </p:txBody>
       </p:sp>
@@ -4106,27 +3724,7 @@
                 <a:latin typeface="微軟正黑體" pitchFamily="34" charset="-120"/>
                 <a:ea typeface="微軟正黑體" pitchFamily="34" charset="-120"/>
               </a:rPr>
-              <a:t>深</a:t>
-            </a:r>
-            <a:r>
-              <a:rPr lang="zh-TW" altLang="en-US" b="1" dirty="0" smtClean="0">
-                <a:solidFill>
-                  <a:srgbClr val="000066"/>
-                </a:solidFill>
-                <a:latin typeface="微軟正黑體" pitchFamily="34" charset="-120"/>
-                <a:ea typeface="微軟正黑體" pitchFamily="34" charset="-120"/>
-              </a:rPr>
-              <a:t>哉  深哉  耶穌</a:t>
-            </a:r>
-            <a:r>
-              <a:rPr lang="zh-TW" altLang="en-US" b="1" dirty="0" smtClean="0">
-                <a:solidFill>
-                  <a:srgbClr val="000066"/>
-                </a:solidFill>
-                <a:latin typeface="微軟正黑體" pitchFamily="34" charset="-120"/>
-                <a:ea typeface="微軟正黑體" pitchFamily="34" charset="-120"/>
-              </a:rPr>
-              <a:t>的愛</a:t>
+              <a:t>深哉  深哉  耶穌的愛</a:t>
             </a:r>
             <a:endParaRPr lang="zh-TW" altLang="en-US" b="1" dirty="0">
               <a:solidFill>
@@ -4159,46 +3757,16 @@
               <a:buNone/>
             </a:pPr>
             <a:r>
-              <a:rPr lang="zh-TW" altLang="en-US" sz="5400" b="1" dirty="0" smtClean="0">
+              <a:rPr lang="zh-TW" altLang="en-US" sz="5400" b="1" dirty="0">
                 <a:solidFill>
                   <a:srgbClr val="000066"/>
                 </a:solidFill>
                 <a:latin typeface="微軟正黑體" pitchFamily="34" charset="-120"/>
                 <a:ea typeface="微軟正黑體" pitchFamily="34" charset="-120"/>
               </a:rPr>
-              <a:t>深</a:t>
-            </a:r>
-            <a:r>
-              <a:rPr lang="zh-TW" altLang="en-US" sz="5400" b="1" dirty="0" smtClean="0">
-                <a:solidFill>
-                  <a:srgbClr val="000066"/>
-                </a:solidFill>
-                <a:latin typeface="微軟正黑體" pitchFamily="34" charset="-120"/>
-                <a:ea typeface="微軟正黑體" pitchFamily="34" charset="-120"/>
-              </a:rPr>
-              <a:t>哉  深哉  耶穌</a:t>
-            </a:r>
-            <a:r>
-              <a:rPr lang="zh-TW" altLang="en-US" sz="5400" b="1" dirty="0" smtClean="0">
-                <a:solidFill>
-                  <a:srgbClr val="000066"/>
-                </a:solidFill>
-                <a:latin typeface="微軟正黑體" pitchFamily="34" charset="-120"/>
-                <a:ea typeface="微軟正黑體" pitchFamily="34" charset="-120"/>
-              </a:rPr>
-              <a:t>的</a:t>
-            </a:r>
-            <a:r>
-              <a:rPr lang="zh-TW" altLang="en-US" sz="5400" b="1" dirty="0" smtClean="0">
-                <a:solidFill>
-                  <a:srgbClr val="000066"/>
-                </a:solidFill>
-                <a:latin typeface="微軟正黑體" pitchFamily="34" charset="-120"/>
-                <a:ea typeface="微軟正黑體" pitchFamily="34" charset="-120"/>
-              </a:rPr>
-              <a:t>愛</a:t>
-            </a:r>
-            <a:endParaRPr lang="en-US" altLang="zh-TW" sz="5400" b="1" dirty="0" smtClean="0">
+              <a:t>深哉  深哉  耶穌的愛</a:t>
+            </a:r>
+            <a:endParaRPr lang="en-US" altLang="zh-TW" sz="5400" b="1" dirty="0">
               <a:solidFill>
                 <a:srgbClr val="000066"/>
               </a:solidFill>
@@ -4211,36 +3779,16 @@
               <a:buNone/>
             </a:pPr>
             <a:r>
-              <a:rPr lang="zh-TW" altLang="en-US" sz="5400" b="1" dirty="0" smtClean="0">
+              <a:rPr lang="zh-TW" altLang="en-US" sz="5400" b="1" dirty="0">
                 <a:solidFill>
                   <a:srgbClr val="000066"/>
                 </a:solidFill>
                 <a:latin typeface="微軟正黑體" pitchFamily="34" charset="-120"/>
                 <a:ea typeface="微軟正黑體" pitchFamily="34" charset="-120"/>
               </a:rPr>
-              <a:t>是</a:t>
-            </a:r>
-            <a:r>
-              <a:rPr lang="zh-TW" altLang="en-US" sz="5400" b="1" dirty="0" smtClean="0">
-                <a:solidFill>
-                  <a:srgbClr val="000066"/>
-                </a:solidFill>
-                <a:latin typeface="微軟正黑體" pitchFamily="34" charset="-120"/>
-                <a:ea typeface="微軟正黑體" pitchFamily="34" charset="-120"/>
-              </a:rPr>
-              <a:t>愛中至上的</a:t>
-            </a:r>
-            <a:r>
-              <a:rPr lang="zh-TW" altLang="en-US" sz="5400" b="1" dirty="0" smtClean="0">
-                <a:solidFill>
-                  <a:srgbClr val="000066"/>
-                </a:solidFill>
-                <a:latin typeface="微軟正黑體" pitchFamily="34" charset="-120"/>
-                <a:ea typeface="微軟正黑體" pitchFamily="34" charset="-120"/>
-              </a:rPr>
-              <a:t>愛</a:t>
-            </a:r>
-            <a:endParaRPr lang="en-US" altLang="zh-TW" sz="5400" b="1" dirty="0" smtClean="0">
+              <a:t>是愛中至上的愛</a:t>
+            </a:r>
+            <a:endParaRPr lang="en-US" altLang="zh-TW" sz="5400" b="1" dirty="0">
               <a:solidFill>
                 <a:srgbClr val="000066"/>
               </a:solidFill>
@@ -4253,36 +3801,16 @@
               <a:buNone/>
             </a:pPr>
             <a:r>
-              <a:rPr lang="zh-TW" altLang="en-US" sz="5400" b="1" dirty="0" smtClean="0">
+              <a:rPr lang="zh-TW" altLang="en-US" sz="5400" b="1" dirty="0">
                 <a:solidFill>
                   <a:srgbClr val="000066"/>
                 </a:solidFill>
                 <a:latin typeface="微軟正黑體" pitchFamily="34" charset="-120"/>
                 <a:ea typeface="微軟正黑體" pitchFamily="34" charset="-120"/>
               </a:rPr>
-              <a:t>是</a:t>
-            </a:r>
-            <a:r>
-              <a:rPr lang="zh-TW" altLang="en-US" sz="5400" b="1" dirty="0" smtClean="0">
-                <a:solidFill>
-                  <a:srgbClr val="000066"/>
-                </a:solidFill>
-                <a:latin typeface="微軟正黑體" pitchFamily="34" charset="-120"/>
-                <a:ea typeface="微軟正黑體" pitchFamily="34" charset="-120"/>
-              </a:rPr>
-              <a:t>廣闊賜福的洋</a:t>
-            </a:r>
-            <a:r>
-              <a:rPr lang="zh-TW" altLang="en-US" sz="5400" b="1" dirty="0" smtClean="0">
-                <a:solidFill>
-                  <a:srgbClr val="000066"/>
-                </a:solidFill>
-                <a:latin typeface="微軟正黑體" pitchFamily="34" charset="-120"/>
-                <a:ea typeface="微軟正黑體" pitchFamily="34" charset="-120"/>
-              </a:rPr>
-              <a:t>海</a:t>
-            </a:r>
-            <a:endParaRPr lang="en-US" altLang="zh-TW" sz="5400" b="1" dirty="0" smtClean="0">
+              <a:t>是廣闊賜福的洋海</a:t>
+            </a:r>
+            <a:endParaRPr lang="en-US" altLang="zh-TW" sz="5400" b="1" dirty="0">
               <a:solidFill>
                 <a:srgbClr val="000066"/>
               </a:solidFill>
@@ -4295,32 +3823,15 @@
               <a:buNone/>
             </a:pPr>
             <a:r>
-              <a:rPr lang="zh-TW" altLang="en-US" sz="5400" b="1" dirty="0" smtClean="0">
+              <a:rPr lang="zh-TW" altLang="en-US" sz="5400" b="1" dirty="0">
                 <a:solidFill>
                   <a:srgbClr val="000066"/>
                 </a:solidFill>
                 <a:latin typeface="微軟正黑體" pitchFamily="34" charset="-120"/>
                 <a:ea typeface="微軟正黑體" pitchFamily="34" charset="-120"/>
               </a:rPr>
-              <a:t>是</a:t>
-            </a:r>
-            <a:r>
-              <a:rPr lang="zh-TW" altLang="en-US" sz="5400" b="1" dirty="0" smtClean="0">
-                <a:solidFill>
-                  <a:srgbClr val="000066"/>
-                </a:solidFill>
-                <a:latin typeface="微軟正黑體" pitchFamily="34" charset="-120"/>
-                <a:ea typeface="微軟正黑體" pitchFamily="34" charset="-120"/>
-              </a:rPr>
-              <a:t>享安息的港口</a:t>
-            </a:r>
-            <a:endParaRPr lang="zh-TW" altLang="en-US" sz="5400" b="1" dirty="0">
-              <a:solidFill>
-                <a:srgbClr val="000066"/>
-              </a:solidFill>
-              <a:latin typeface="微軟正黑體" pitchFamily="34" charset="-120"/>
-              <a:ea typeface="微軟正黑體" pitchFamily="34" charset="-120"/>
-            </a:endParaRPr>
+              <a:t>是享安息的港口</a:t>
+            </a:r>
           </a:p>
         </p:txBody>
       </p:sp>
@@ -4372,27 +3883,7 @@
                 <a:latin typeface="微軟正黑體" pitchFamily="34" charset="-120"/>
                 <a:ea typeface="微軟正黑體" pitchFamily="34" charset="-120"/>
               </a:rPr>
-              <a:t>深</a:t>
-            </a:r>
-            <a:r>
-              <a:rPr lang="zh-TW" altLang="en-US" b="1" dirty="0" smtClean="0">
-                <a:solidFill>
-                  <a:srgbClr val="000066"/>
-                </a:solidFill>
-                <a:latin typeface="微軟正黑體" pitchFamily="34" charset="-120"/>
-                <a:ea typeface="微軟正黑體" pitchFamily="34" charset="-120"/>
-              </a:rPr>
-              <a:t>哉  深哉  耶穌</a:t>
-            </a:r>
-            <a:r>
-              <a:rPr lang="zh-TW" altLang="en-US" b="1" dirty="0" smtClean="0">
-                <a:solidFill>
-                  <a:srgbClr val="000066"/>
-                </a:solidFill>
-                <a:latin typeface="微軟正黑體" pitchFamily="34" charset="-120"/>
-                <a:ea typeface="微軟正黑體" pitchFamily="34" charset="-120"/>
-              </a:rPr>
-              <a:t>的愛</a:t>
+              <a:t>深哉  深哉  耶穌的愛</a:t>
             </a:r>
             <a:endParaRPr lang="zh-TW" altLang="en-US" b="1" dirty="0">
               <a:solidFill>
@@ -4414,7 +3905,12 @@
             <p:ph idx="1"/>
           </p:nvPr>
         </p:nvSpPr>
-        <p:spPr/>
+        <p:spPr>
+          <a:xfrm>
+            <a:off x="609600" y="1600201"/>
+            <a:ext cx="10972800" cy="5257799"/>
+          </a:xfrm>
+        </p:spPr>
         <p:txBody>
           <a:bodyPr>
             <a:normAutofit/>
@@ -4425,44 +3921,90 @@
               <a:buNone/>
             </a:pPr>
             <a:r>
-              <a:rPr lang="zh-TW" altLang="en-US" sz="5400" b="1" dirty="0" smtClean="0">
+              <a:rPr lang="zh-TW" altLang="en-US" sz="5400" b="1" dirty="0">
                 <a:solidFill>
                   <a:srgbClr val="000066"/>
                 </a:solidFill>
                 <a:latin typeface="微軟正黑體" pitchFamily="34" charset="-120"/>
                 <a:ea typeface="微軟正黑體" pitchFamily="34" charset="-120"/>
               </a:rPr>
-              <a:t>深</a:t>
-            </a:r>
-            <a:r>
-              <a:rPr lang="zh-TW" altLang="en-US" sz="5400" b="1" dirty="0" smtClean="0">
+              <a:t>深哉  深哉  耶穌的愛</a:t>
+            </a:r>
+            <a:endParaRPr lang="en-US" altLang="zh-TW" sz="5400" b="1" dirty="0">
+              <a:solidFill>
+                <a:srgbClr val="000066"/>
+              </a:solidFill>
+              <a:latin typeface="微軟正黑體" pitchFamily="34" charset="-120"/>
+              <a:ea typeface="微軟正黑體" pitchFamily="34" charset="-120"/>
+            </a:endParaRPr>
+          </a:p>
+          <a:p>
+            <a:pPr algn="ctr">
+              <a:buNone/>
+            </a:pPr>
+            <a:r>
+              <a:rPr lang="zh-TW" altLang="en-US" sz="5400" b="1" dirty="0">
                 <a:solidFill>
                   <a:srgbClr val="000066"/>
                 </a:solidFill>
                 <a:latin typeface="微軟正黑體" pitchFamily="34" charset="-120"/>
                 <a:ea typeface="微軟正黑體" pitchFamily="34" charset="-120"/>
               </a:rPr>
-              <a:t>哉  深哉  耶穌</a:t>
-            </a:r>
-            <a:r>
-              <a:rPr lang="zh-TW" altLang="en-US" sz="5400" b="1" dirty="0" smtClean="0">
+              <a:t>對我有如在天堂</a:t>
+            </a:r>
+            <a:endParaRPr lang="en-US" altLang="zh-TW" sz="5400" b="1" dirty="0">
+              <a:solidFill>
+                <a:srgbClr val="000066"/>
+              </a:solidFill>
+              <a:latin typeface="微軟正黑體" pitchFamily="34" charset="-120"/>
+              <a:ea typeface="微軟正黑體" pitchFamily="34" charset="-120"/>
+            </a:endParaRPr>
+          </a:p>
+          <a:p>
+            <a:pPr algn="ctr">
+              <a:buNone/>
+            </a:pPr>
+            <a:r>
+              <a:rPr lang="zh-TW" altLang="en-US" sz="5400" b="1" dirty="0">
                 <a:solidFill>
                   <a:srgbClr val="000066"/>
                 </a:solidFill>
                 <a:latin typeface="微軟正黑體" pitchFamily="34" charset="-120"/>
                 <a:ea typeface="微軟正黑體" pitchFamily="34" charset="-120"/>
               </a:rPr>
-              <a:t>的</a:t>
-            </a:r>
-            <a:r>
-              <a:rPr lang="zh-TW" altLang="en-US" sz="5400" b="1" dirty="0" smtClean="0">
+              <a:t>領我進入榮光之中</a:t>
+            </a:r>
+            <a:endParaRPr lang="en-US" altLang="zh-TW" sz="5400" b="1" dirty="0">
+              <a:solidFill>
+                <a:srgbClr val="000066"/>
+              </a:solidFill>
+              <a:latin typeface="微軟正黑體" pitchFamily="34" charset="-120"/>
+              <a:ea typeface="微軟正黑體" pitchFamily="34" charset="-120"/>
+            </a:endParaRPr>
+          </a:p>
+          <a:p>
+            <a:pPr algn="ctr">
+              <a:buNone/>
+            </a:pPr>
+            <a:r>
+              <a:rPr lang="zh-TW" altLang="en-US" sz="5400" b="1" dirty="0">
                 <a:solidFill>
                   <a:srgbClr val="000066"/>
                 </a:solidFill>
                 <a:latin typeface="微軟正黑體" pitchFamily="34" charset="-120"/>
                 <a:ea typeface="微軟正黑體" pitchFamily="34" charset="-120"/>
               </a:rPr>
-              <a:t>愛</a:t>
+              <a:t>領我就近你身</a:t>
+            </a:r>
+            <a:r>
+              <a:rPr lang="zh-TW" altLang="en-US" sz="5400" b="1" dirty="0" smtClean="0">
+                <a:solidFill>
+                  <a:srgbClr val="000066"/>
+                </a:solidFill>
+                <a:latin typeface="微軟正黑體" pitchFamily="34" charset="-120"/>
+                <a:ea typeface="微軟正黑體" pitchFamily="34" charset="-120"/>
+              </a:rPr>
+              <a:t>旁</a:t>
             </a:r>
             <a:endParaRPr lang="en-US" altLang="zh-TW" sz="5400" b="1" dirty="0" smtClean="0">
               <a:solidFill>
@@ -4477,109 +4019,22 @@
               <a:buNone/>
             </a:pPr>
             <a:r>
-              <a:rPr lang="zh-TW" altLang="en-US" sz="5400" b="1" dirty="0" smtClean="0">
+              <a:rPr lang="zh-TW" altLang="zh-TW" sz="5400" b="1" dirty="0">
                 <a:solidFill>
                   <a:srgbClr val="000066"/>
                 </a:solidFill>
                 <a:latin typeface="微軟正黑體" pitchFamily="34" charset="-120"/>
                 <a:ea typeface="微軟正黑體" pitchFamily="34" charset="-120"/>
               </a:rPr>
-              <a:t>對</a:t>
-            </a:r>
-            <a:r>
-              <a:rPr lang="zh-TW" altLang="en-US" sz="5400" b="1" dirty="0" smtClean="0">
-                <a:solidFill>
-                  <a:srgbClr val="000066"/>
-                </a:solidFill>
-                <a:latin typeface="微軟正黑體" pitchFamily="34" charset="-120"/>
-                <a:ea typeface="微軟正黑體" pitchFamily="34" charset="-120"/>
-              </a:rPr>
-              <a:t>我有如在</a:t>
-            </a:r>
-            <a:r>
-              <a:rPr lang="zh-TW" altLang="en-US" sz="5400" b="1" dirty="0" smtClean="0">
-                <a:solidFill>
-                  <a:srgbClr val="000066"/>
-                </a:solidFill>
-                <a:latin typeface="微軟正黑體" pitchFamily="34" charset="-120"/>
-                <a:ea typeface="微軟正黑體" pitchFamily="34" charset="-120"/>
-              </a:rPr>
-              <a:t>天堂</a:t>
-            </a:r>
-            <a:endParaRPr lang="en-US" altLang="zh-TW" sz="5400" b="1" dirty="0" smtClean="0">
+              <a:t>啊們</a:t>
+            </a:r>
+            <a:endParaRPr lang="zh-TW" altLang="en-US" sz="5400" b="1" dirty="0">
               <a:solidFill>
                 <a:srgbClr val="000066"/>
               </a:solidFill>
               <a:latin typeface="微軟正黑體" pitchFamily="34" charset="-120"/>
               <a:ea typeface="微軟正黑體" pitchFamily="34" charset="-120"/>
             </a:endParaRPr>
-          </a:p>
-          <a:p>
-            <a:pPr algn="ctr">
-              <a:buNone/>
-            </a:pPr>
-            <a:r>
-              <a:rPr lang="zh-TW" altLang="en-US" sz="5400" b="1" dirty="0" smtClean="0">
-                <a:solidFill>
-                  <a:srgbClr val="000066"/>
-                </a:solidFill>
-                <a:latin typeface="微軟正黑體" pitchFamily="34" charset="-120"/>
-                <a:ea typeface="微軟正黑體" pitchFamily="34" charset="-120"/>
-              </a:rPr>
-              <a:t>領</a:t>
-            </a:r>
-            <a:r>
-              <a:rPr lang="zh-TW" altLang="en-US" sz="5400" b="1" dirty="0" smtClean="0">
-                <a:solidFill>
-                  <a:srgbClr val="000066"/>
-                </a:solidFill>
-                <a:latin typeface="微軟正黑體" pitchFamily="34" charset="-120"/>
-                <a:ea typeface="微軟正黑體" pitchFamily="34" charset="-120"/>
-              </a:rPr>
-              <a:t>我進入榮光</a:t>
-            </a:r>
-            <a:r>
-              <a:rPr lang="zh-TW" altLang="en-US" sz="5400" b="1" dirty="0" smtClean="0">
-                <a:solidFill>
-                  <a:srgbClr val="000066"/>
-                </a:solidFill>
-                <a:latin typeface="微軟正黑體" pitchFamily="34" charset="-120"/>
-                <a:ea typeface="微軟正黑體" pitchFamily="34" charset="-120"/>
-              </a:rPr>
-              <a:t>之中</a:t>
-            </a:r>
-            <a:endParaRPr lang="en-US" altLang="zh-TW" sz="5400" b="1" dirty="0" smtClean="0">
-              <a:solidFill>
-                <a:srgbClr val="000066"/>
-              </a:solidFill>
-              <a:latin typeface="微軟正黑體" pitchFamily="34" charset="-120"/>
-              <a:ea typeface="微軟正黑體" pitchFamily="34" charset="-120"/>
-            </a:endParaRPr>
-          </a:p>
-          <a:p>
-            <a:pPr algn="ctr">
-              <a:buNone/>
-            </a:pPr>
-            <a:r>
-              <a:rPr lang="zh-TW" altLang="en-US" sz="5400" b="1" dirty="0" smtClean="0">
-                <a:solidFill>
-                  <a:srgbClr val="000066"/>
-                </a:solidFill>
-                <a:latin typeface="微軟正黑體" pitchFamily="34" charset="-120"/>
-                <a:ea typeface="微軟正黑體" pitchFamily="34" charset="-120"/>
-              </a:rPr>
-              <a:t>領</a:t>
-            </a:r>
-            <a:r>
-              <a:rPr lang="zh-TW" altLang="en-US" sz="5400" b="1" dirty="0" smtClean="0">
-                <a:solidFill>
-                  <a:srgbClr val="000066"/>
-                </a:solidFill>
-                <a:latin typeface="微軟正黑體" pitchFamily="34" charset="-120"/>
-                <a:ea typeface="微軟正黑體" pitchFamily="34" charset="-120"/>
-              </a:rPr>
-              <a:t>我就近你身旁</a:t>
-            </a:r>
           </a:p>
         </p:txBody>
       </p:sp>
